--- a/分布式系统.记录/3_MIT6.824.记录/课程笔记/drawpictures.pptx
+++ b/分布式系统.记录/3_MIT6.824.记录/课程笔记/drawpictures.pptx
@@ -9,6 +9,7 @@
     <p:sldId id="257" r:id="rId3"/>
     <p:sldId id="258" r:id="rId4"/>
     <p:sldId id="259" r:id="rId5"/>
+    <p:sldId id="260" r:id="rId6"/>
   </p:sldIdLst>
   <p:sldSz cx="12192000" cy="6858000"/>
   <p:notesSz cx="6858000" cy="9144000"/>
@@ -107,6 +108,11 @@
       </a:defRPr>
     </a:lvl9pPr>
   </p:defaultTextStyle>
+  <p:extLst>
+    <p:ext uri="{EFAFB233-063F-42B5-8137-9DF3F51BA10A}">
+      <p15:sldGuideLst xmlns:p15="http://schemas.microsoft.com/office/powerpoint/2012/main"/>
+    </p:ext>
+  </p:extLst>
 </p:presentation>
 </file>
 
@@ -257,7 +263,7 @@
           <a:p>
             <a:fld id="{0483275E-2B47-43C9-A3AA-F37988ACE549}" type="datetimeFigureOut">
               <a:rPr lang="zh-CN" altLang="en-US" smtClean="0"/>
-              <a:t>2022/11/9</a:t>
+              <a:t>2022/11/13</a:t>
             </a:fld>
             <a:endParaRPr lang="zh-CN" altLang="en-US"/>
           </a:p>
@@ -455,7 +461,7 @@
           <a:p>
             <a:fld id="{0483275E-2B47-43C9-A3AA-F37988ACE549}" type="datetimeFigureOut">
               <a:rPr lang="zh-CN" altLang="en-US" smtClean="0"/>
-              <a:t>2022/11/9</a:t>
+              <a:t>2022/11/13</a:t>
             </a:fld>
             <a:endParaRPr lang="zh-CN" altLang="en-US"/>
           </a:p>
@@ -663,7 +669,7 @@
           <a:p>
             <a:fld id="{0483275E-2B47-43C9-A3AA-F37988ACE549}" type="datetimeFigureOut">
               <a:rPr lang="zh-CN" altLang="en-US" smtClean="0"/>
-              <a:t>2022/11/9</a:t>
+              <a:t>2022/11/13</a:t>
             </a:fld>
             <a:endParaRPr lang="zh-CN" altLang="en-US"/>
           </a:p>
@@ -861,7 +867,7 @@
           <a:p>
             <a:fld id="{0483275E-2B47-43C9-A3AA-F37988ACE549}" type="datetimeFigureOut">
               <a:rPr lang="zh-CN" altLang="en-US" smtClean="0"/>
-              <a:t>2022/11/9</a:t>
+              <a:t>2022/11/13</a:t>
             </a:fld>
             <a:endParaRPr lang="zh-CN" altLang="en-US"/>
           </a:p>
@@ -1136,7 +1142,7 @@
           <a:p>
             <a:fld id="{0483275E-2B47-43C9-A3AA-F37988ACE549}" type="datetimeFigureOut">
               <a:rPr lang="zh-CN" altLang="en-US" smtClean="0"/>
-              <a:t>2022/11/9</a:t>
+              <a:t>2022/11/13</a:t>
             </a:fld>
             <a:endParaRPr lang="zh-CN" altLang="en-US"/>
           </a:p>
@@ -1401,7 +1407,7 @@
           <a:p>
             <a:fld id="{0483275E-2B47-43C9-A3AA-F37988ACE549}" type="datetimeFigureOut">
               <a:rPr lang="zh-CN" altLang="en-US" smtClean="0"/>
-              <a:t>2022/11/9</a:t>
+              <a:t>2022/11/13</a:t>
             </a:fld>
             <a:endParaRPr lang="zh-CN" altLang="en-US"/>
           </a:p>
@@ -1813,7 +1819,7 @@
           <a:p>
             <a:fld id="{0483275E-2B47-43C9-A3AA-F37988ACE549}" type="datetimeFigureOut">
               <a:rPr lang="zh-CN" altLang="en-US" smtClean="0"/>
-              <a:t>2022/11/9</a:t>
+              <a:t>2022/11/13</a:t>
             </a:fld>
             <a:endParaRPr lang="zh-CN" altLang="en-US"/>
           </a:p>
@@ -1954,7 +1960,7 @@
           <a:p>
             <a:fld id="{0483275E-2B47-43C9-A3AA-F37988ACE549}" type="datetimeFigureOut">
               <a:rPr lang="zh-CN" altLang="en-US" smtClean="0"/>
-              <a:t>2022/11/9</a:t>
+              <a:t>2022/11/13</a:t>
             </a:fld>
             <a:endParaRPr lang="zh-CN" altLang="en-US"/>
           </a:p>
@@ -2067,7 +2073,7 @@
           <a:p>
             <a:fld id="{0483275E-2B47-43C9-A3AA-F37988ACE549}" type="datetimeFigureOut">
               <a:rPr lang="zh-CN" altLang="en-US" smtClean="0"/>
-              <a:t>2022/11/9</a:t>
+              <a:t>2022/11/13</a:t>
             </a:fld>
             <a:endParaRPr lang="zh-CN" altLang="en-US"/>
           </a:p>
@@ -2378,7 +2384,7 @@
           <a:p>
             <a:fld id="{0483275E-2B47-43C9-A3AA-F37988ACE549}" type="datetimeFigureOut">
               <a:rPr lang="zh-CN" altLang="en-US" smtClean="0"/>
-              <a:t>2022/11/9</a:t>
+              <a:t>2022/11/13</a:t>
             </a:fld>
             <a:endParaRPr lang="zh-CN" altLang="en-US"/>
           </a:p>
@@ -2666,7 +2672,7 @@
           <a:p>
             <a:fld id="{0483275E-2B47-43C9-A3AA-F37988ACE549}" type="datetimeFigureOut">
               <a:rPr lang="zh-CN" altLang="en-US" smtClean="0"/>
-              <a:t>2022/11/9</a:t>
+              <a:t>2022/11/13</a:t>
             </a:fld>
             <a:endParaRPr lang="zh-CN" altLang="en-US"/>
           </a:p>
@@ -2907,7 +2913,7 @@
           <a:p>
             <a:fld id="{0483275E-2B47-43C9-A3AA-F37988ACE549}" type="datetimeFigureOut">
               <a:rPr lang="zh-CN" altLang="en-US" smtClean="0"/>
-              <a:t>2022/11/9</a:t>
+              <a:t>2022/11/13</a:t>
             </a:fld>
             <a:endParaRPr lang="zh-CN" altLang="en-US"/>
           </a:p>
@@ -10787,6 +10793,1885 @@
 </p:sld>
 </file>
 
+<file path=ppt/slides/slide5.xml><?xml version="1.0" encoding="utf-8"?>
+<p:sld xmlns:a="http://schemas.openxmlformats.org/drawingml/2006/main" xmlns:r="http://schemas.openxmlformats.org/officeDocument/2006/relationships" xmlns:p="http://schemas.openxmlformats.org/presentationml/2006/main">
+  <p:cSld>
+    <p:spTree>
+      <p:nvGrpSpPr>
+        <p:cNvPr id="1" name=""/>
+        <p:cNvGrpSpPr/>
+        <p:nvPr/>
+      </p:nvGrpSpPr>
+      <p:grpSpPr>
+        <a:xfrm>
+          <a:off x="0" y="0"/>
+          <a:ext cx="0" cy="0"/>
+          <a:chOff x="0" y="0"/>
+          <a:chExt cx="0" cy="0"/>
+        </a:xfrm>
+      </p:grpSpPr>
+      <p:sp>
+        <p:nvSpPr>
+          <p:cNvPr id="4" name="矩形 3">
+            <a:extLst>
+              <a:ext uri="{FF2B5EF4-FFF2-40B4-BE49-F238E27FC236}">
+                <a16:creationId xmlns:a16="http://schemas.microsoft.com/office/drawing/2014/main" id="{159122C6-1457-9DF7-EF9A-7F2C747F27EC}"/>
+              </a:ext>
+            </a:extLst>
+          </p:cNvPr>
+          <p:cNvSpPr/>
+          <p:nvPr/>
+        </p:nvSpPr>
+        <p:spPr>
+          <a:xfrm>
+            <a:off x="3790765" y="1793289"/>
+            <a:ext cx="763480" cy="443883"/>
+          </a:xfrm>
+          <a:prstGeom prst="rect">
+            <a:avLst/>
+          </a:prstGeom>
+          <a:solidFill>
+            <a:schemeClr val="bg1"/>
+          </a:solidFill>
+          <a:ln>
+            <a:solidFill>
+              <a:schemeClr val="tx1"/>
+            </a:solidFill>
+          </a:ln>
+        </p:spPr>
+        <p:style>
+          <a:lnRef idx="2">
+            <a:schemeClr val="accent1">
+              <a:shade val="50000"/>
+            </a:schemeClr>
+          </a:lnRef>
+          <a:fillRef idx="1">
+            <a:schemeClr val="accent1"/>
+          </a:fillRef>
+          <a:effectRef idx="0">
+            <a:schemeClr val="accent1"/>
+          </a:effectRef>
+          <a:fontRef idx="minor">
+            <a:schemeClr val="lt1"/>
+          </a:fontRef>
+        </p:style>
+        <p:txBody>
+          <a:bodyPr rtlCol="0" anchor="ctr"/>
+          <a:lstStyle/>
+          <a:p>
+            <a:pPr algn="ctr"/>
+            <a:r>
+              <a:rPr lang="en-US" altLang="zh-CN" sz="1400" dirty="0">
+                <a:solidFill>
+                  <a:schemeClr val="tx1"/>
+                </a:solidFill>
+                <a:latin typeface="Times New Roman" panose="02020603050405020304" pitchFamily="18" charset="0"/>
+                <a:cs typeface="Times New Roman" panose="02020603050405020304" pitchFamily="18" charset="0"/>
+              </a:rPr>
+              <a:t>Server1</a:t>
+            </a:r>
+            <a:endParaRPr lang="zh-CN" altLang="en-US" sz="1400" dirty="0">
+              <a:solidFill>
+                <a:schemeClr val="tx1"/>
+              </a:solidFill>
+              <a:latin typeface="Times New Roman" panose="02020603050405020304" pitchFamily="18" charset="0"/>
+              <a:cs typeface="Times New Roman" panose="02020603050405020304" pitchFamily="18" charset="0"/>
+            </a:endParaRPr>
+          </a:p>
+        </p:txBody>
+      </p:sp>
+      <p:sp>
+        <p:nvSpPr>
+          <p:cNvPr id="5" name="矩形 4">
+            <a:extLst>
+              <a:ext uri="{FF2B5EF4-FFF2-40B4-BE49-F238E27FC236}">
+                <a16:creationId xmlns:a16="http://schemas.microsoft.com/office/drawing/2014/main" id="{C8821392-9A13-08B7-EE7C-7A8A375CA9CE}"/>
+              </a:ext>
+            </a:extLst>
+          </p:cNvPr>
+          <p:cNvSpPr/>
+          <p:nvPr/>
+        </p:nvSpPr>
+        <p:spPr>
+          <a:xfrm>
+            <a:off x="3790765" y="2860830"/>
+            <a:ext cx="763480" cy="443883"/>
+          </a:xfrm>
+          <a:prstGeom prst="rect">
+            <a:avLst/>
+          </a:prstGeom>
+          <a:solidFill>
+            <a:schemeClr val="bg1"/>
+          </a:solidFill>
+          <a:ln>
+            <a:solidFill>
+              <a:schemeClr val="tx1"/>
+            </a:solidFill>
+          </a:ln>
+        </p:spPr>
+        <p:style>
+          <a:lnRef idx="2">
+            <a:schemeClr val="accent1">
+              <a:shade val="50000"/>
+            </a:schemeClr>
+          </a:lnRef>
+          <a:fillRef idx="1">
+            <a:schemeClr val="accent1"/>
+          </a:fillRef>
+          <a:effectRef idx="0">
+            <a:schemeClr val="accent1"/>
+          </a:effectRef>
+          <a:fontRef idx="minor">
+            <a:schemeClr val="lt1"/>
+          </a:fontRef>
+        </p:style>
+        <p:txBody>
+          <a:bodyPr rtlCol="0" anchor="ctr"/>
+          <a:lstStyle/>
+          <a:p>
+            <a:pPr algn="ctr"/>
+            <a:r>
+              <a:rPr lang="en-US" altLang="zh-CN" sz="1400" dirty="0">
+                <a:solidFill>
+                  <a:schemeClr val="tx1"/>
+                </a:solidFill>
+                <a:latin typeface="Times New Roman" panose="02020603050405020304" pitchFamily="18" charset="0"/>
+                <a:cs typeface="Times New Roman" panose="02020603050405020304" pitchFamily="18" charset="0"/>
+              </a:rPr>
+              <a:t>Server2</a:t>
+            </a:r>
+            <a:endParaRPr lang="zh-CN" altLang="en-US" sz="1400" dirty="0">
+              <a:solidFill>
+                <a:schemeClr val="tx1"/>
+              </a:solidFill>
+              <a:latin typeface="Times New Roman" panose="02020603050405020304" pitchFamily="18" charset="0"/>
+              <a:cs typeface="Times New Roman" panose="02020603050405020304" pitchFamily="18" charset="0"/>
+            </a:endParaRPr>
+          </a:p>
+        </p:txBody>
+      </p:sp>
+      <p:grpSp>
+        <p:nvGrpSpPr>
+          <p:cNvPr id="11" name="组合 10">
+            <a:extLst>
+              <a:ext uri="{FF2B5EF4-FFF2-40B4-BE49-F238E27FC236}">
+                <a16:creationId xmlns:a16="http://schemas.microsoft.com/office/drawing/2014/main" id="{7931B7CF-985B-AED7-8D52-40BA01140360}"/>
+              </a:ext>
+            </a:extLst>
+          </p:cNvPr>
+          <p:cNvGrpSpPr/>
+          <p:nvPr/>
+        </p:nvGrpSpPr>
+        <p:grpSpPr>
+          <a:xfrm>
+            <a:off x="5405021" y="1775206"/>
+            <a:ext cx="876300" cy="461966"/>
+            <a:chOff x="5342878" y="1812524"/>
+            <a:chExt cx="876300" cy="461966"/>
+          </a:xfrm>
+        </p:grpSpPr>
+        <p:sp>
+          <p:nvSpPr>
+            <p:cNvPr id="6" name="矩形 5">
+              <a:extLst>
+                <a:ext uri="{FF2B5EF4-FFF2-40B4-BE49-F238E27FC236}">
+                  <a16:creationId xmlns:a16="http://schemas.microsoft.com/office/drawing/2014/main" id="{BBB0636F-2387-680B-D5FF-D29E8E16F29F}"/>
+                </a:ext>
+              </a:extLst>
+            </p:cNvPr>
+            <p:cNvSpPr/>
+            <p:nvPr/>
+          </p:nvSpPr>
+          <p:spPr>
+            <a:xfrm>
+              <a:off x="5781028" y="1812524"/>
+              <a:ext cx="438150" cy="142875"/>
+            </a:xfrm>
+            <a:prstGeom prst="rect">
+              <a:avLst/>
+            </a:prstGeom>
+            <a:solidFill>
+              <a:schemeClr val="bg1"/>
+            </a:solidFill>
+            <a:ln>
+              <a:solidFill>
+                <a:schemeClr val="tx1"/>
+              </a:solidFill>
+            </a:ln>
+          </p:spPr>
+          <p:style>
+            <a:lnRef idx="2">
+              <a:schemeClr val="accent1">
+                <a:shade val="50000"/>
+              </a:schemeClr>
+            </a:lnRef>
+            <a:fillRef idx="1">
+              <a:schemeClr val="accent1"/>
+            </a:fillRef>
+            <a:effectRef idx="0">
+              <a:schemeClr val="accent1"/>
+            </a:effectRef>
+            <a:fontRef idx="minor">
+              <a:schemeClr val="lt1"/>
+            </a:fontRef>
+          </p:style>
+          <p:txBody>
+            <a:bodyPr rtlCol="0" anchor="ctr"/>
+            <a:lstStyle/>
+            <a:p>
+              <a:pPr algn="ctr"/>
+              <a:r>
+                <a:rPr lang="en-US" altLang="zh-CN" sz="1200" dirty="0">
+                  <a:solidFill>
+                    <a:schemeClr val="tx1"/>
+                  </a:solidFill>
+                  <a:latin typeface="Times New Roman" panose="02020603050405020304" pitchFamily="18" charset="0"/>
+                  <a:cs typeface="Times New Roman" panose="02020603050405020304" pitchFamily="18" charset="0"/>
+                </a:rPr>
+                <a:t>V</a:t>
+              </a:r>
+              <a:endParaRPr lang="zh-CN" altLang="en-US" sz="1200" dirty="0">
+                <a:solidFill>
+                  <a:schemeClr val="tx1"/>
+                </a:solidFill>
+                <a:latin typeface="Times New Roman" panose="02020603050405020304" pitchFamily="18" charset="0"/>
+                <a:cs typeface="Times New Roman" panose="02020603050405020304" pitchFamily="18" charset="0"/>
+              </a:endParaRPr>
+            </a:p>
+          </p:txBody>
+        </p:sp>
+        <p:sp>
+          <p:nvSpPr>
+            <p:cNvPr id="7" name="矩形 6">
+              <a:extLst>
+                <a:ext uri="{FF2B5EF4-FFF2-40B4-BE49-F238E27FC236}">
+                  <a16:creationId xmlns:a16="http://schemas.microsoft.com/office/drawing/2014/main" id="{ECEDFDF3-0635-BC3B-9EC2-13C4FF381D38}"/>
+                </a:ext>
+              </a:extLst>
+            </p:cNvPr>
+            <p:cNvSpPr/>
+            <p:nvPr/>
+          </p:nvSpPr>
+          <p:spPr>
+            <a:xfrm>
+              <a:off x="5342878" y="1812525"/>
+              <a:ext cx="438150" cy="142875"/>
+            </a:xfrm>
+            <a:prstGeom prst="rect">
+              <a:avLst/>
+            </a:prstGeom>
+            <a:solidFill>
+              <a:schemeClr val="bg1"/>
+            </a:solidFill>
+            <a:ln>
+              <a:solidFill>
+                <a:schemeClr val="tx1"/>
+              </a:solidFill>
+            </a:ln>
+          </p:spPr>
+          <p:style>
+            <a:lnRef idx="2">
+              <a:schemeClr val="accent1">
+                <a:shade val="50000"/>
+              </a:schemeClr>
+            </a:lnRef>
+            <a:fillRef idx="1">
+              <a:schemeClr val="accent1"/>
+            </a:fillRef>
+            <a:effectRef idx="0">
+              <a:schemeClr val="accent1"/>
+            </a:effectRef>
+            <a:fontRef idx="minor">
+              <a:schemeClr val="lt1"/>
+            </a:fontRef>
+          </p:style>
+          <p:txBody>
+            <a:bodyPr rtlCol="0" anchor="ctr"/>
+            <a:lstStyle/>
+            <a:p>
+              <a:pPr algn="ctr"/>
+              <a:r>
+                <a:rPr lang="en-US" altLang="zh-CN" sz="1200" dirty="0">
+                  <a:solidFill>
+                    <a:schemeClr val="tx1"/>
+                  </a:solidFill>
+                  <a:latin typeface="Times New Roman" panose="02020603050405020304" pitchFamily="18" charset="0"/>
+                  <a:cs typeface="Times New Roman" panose="02020603050405020304" pitchFamily="18" charset="0"/>
+                </a:rPr>
+                <a:t>K</a:t>
+              </a:r>
+              <a:endParaRPr lang="zh-CN" altLang="en-US" sz="1200" dirty="0">
+                <a:solidFill>
+                  <a:schemeClr val="tx1"/>
+                </a:solidFill>
+                <a:latin typeface="Times New Roman" panose="02020603050405020304" pitchFamily="18" charset="0"/>
+                <a:cs typeface="Times New Roman" panose="02020603050405020304" pitchFamily="18" charset="0"/>
+              </a:endParaRPr>
+            </a:p>
+          </p:txBody>
+        </p:sp>
+        <p:sp>
+          <p:nvSpPr>
+            <p:cNvPr id="8" name="矩形 7">
+              <a:extLst>
+                <a:ext uri="{FF2B5EF4-FFF2-40B4-BE49-F238E27FC236}">
+                  <a16:creationId xmlns:a16="http://schemas.microsoft.com/office/drawing/2014/main" id="{EB8B1E6B-B463-6983-07D8-15D9AA77857F}"/>
+                </a:ext>
+              </a:extLst>
+            </p:cNvPr>
+            <p:cNvSpPr/>
+            <p:nvPr/>
+          </p:nvSpPr>
+          <p:spPr>
+            <a:xfrm>
+              <a:off x="5781028" y="1955399"/>
+              <a:ext cx="438150" cy="319090"/>
+            </a:xfrm>
+            <a:prstGeom prst="rect">
+              <a:avLst/>
+            </a:prstGeom>
+            <a:solidFill>
+              <a:schemeClr val="bg1"/>
+            </a:solidFill>
+            <a:ln>
+              <a:solidFill>
+                <a:schemeClr val="tx1"/>
+              </a:solidFill>
+            </a:ln>
+          </p:spPr>
+          <p:style>
+            <a:lnRef idx="2">
+              <a:schemeClr val="accent1">
+                <a:shade val="50000"/>
+              </a:schemeClr>
+            </a:lnRef>
+            <a:fillRef idx="1">
+              <a:schemeClr val="accent1"/>
+            </a:fillRef>
+            <a:effectRef idx="0">
+              <a:schemeClr val="accent1"/>
+            </a:effectRef>
+            <a:fontRef idx="minor">
+              <a:schemeClr val="lt1"/>
+            </a:fontRef>
+          </p:style>
+          <p:txBody>
+            <a:bodyPr rtlCol="0" anchor="ctr"/>
+            <a:lstStyle/>
+            <a:p>
+              <a:pPr algn="ctr"/>
+              <a:r>
+                <a:rPr lang="en-US" altLang="zh-CN" sz="1200" strike="sngStrike" dirty="0">
+                  <a:solidFill>
+                    <a:schemeClr val="tx1"/>
+                  </a:solidFill>
+                  <a:latin typeface="Times New Roman" panose="02020603050405020304" pitchFamily="18" charset="0"/>
+                  <a:cs typeface="Times New Roman" panose="02020603050405020304" pitchFamily="18" charset="0"/>
+                </a:rPr>
+                <a:t>1</a:t>
+              </a:r>
+              <a:endParaRPr lang="zh-CN" altLang="en-US" sz="1200" strike="sngStrike" dirty="0">
+                <a:solidFill>
+                  <a:schemeClr val="tx1"/>
+                </a:solidFill>
+                <a:latin typeface="Times New Roman" panose="02020603050405020304" pitchFamily="18" charset="0"/>
+                <a:cs typeface="Times New Roman" panose="02020603050405020304" pitchFamily="18" charset="0"/>
+              </a:endParaRPr>
+            </a:p>
+          </p:txBody>
+        </p:sp>
+        <p:sp>
+          <p:nvSpPr>
+            <p:cNvPr id="9" name="矩形 8">
+              <a:extLst>
+                <a:ext uri="{FF2B5EF4-FFF2-40B4-BE49-F238E27FC236}">
+                  <a16:creationId xmlns:a16="http://schemas.microsoft.com/office/drawing/2014/main" id="{F8883DC0-8DAD-CD6C-31B9-1D16F03B5243}"/>
+                </a:ext>
+              </a:extLst>
+            </p:cNvPr>
+            <p:cNvSpPr/>
+            <p:nvPr/>
+          </p:nvSpPr>
+          <p:spPr>
+            <a:xfrm>
+              <a:off x="5342878" y="1955400"/>
+              <a:ext cx="438150" cy="319090"/>
+            </a:xfrm>
+            <a:prstGeom prst="rect">
+              <a:avLst/>
+            </a:prstGeom>
+            <a:solidFill>
+              <a:schemeClr val="bg1"/>
+            </a:solidFill>
+            <a:ln>
+              <a:solidFill>
+                <a:schemeClr val="tx1"/>
+              </a:solidFill>
+            </a:ln>
+          </p:spPr>
+          <p:style>
+            <a:lnRef idx="2">
+              <a:schemeClr val="accent1">
+                <a:shade val="50000"/>
+              </a:schemeClr>
+            </a:lnRef>
+            <a:fillRef idx="1">
+              <a:schemeClr val="accent1"/>
+            </a:fillRef>
+            <a:effectRef idx="0">
+              <a:schemeClr val="accent1"/>
+            </a:effectRef>
+            <a:fontRef idx="minor">
+              <a:schemeClr val="lt1"/>
+            </a:fontRef>
+          </p:style>
+          <p:txBody>
+            <a:bodyPr rtlCol="0" anchor="ctr"/>
+            <a:lstStyle/>
+            <a:p>
+              <a:pPr algn="ctr"/>
+              <a:r>
+                <a:rPr lang="en-US" altLang="zh-CN" sz="1200" dirty="0">
+                  <a:solidFill>
+                    <a:schemeClr val="tx1"/>
+                  </a:solidFill>
+                  <a:latin typeface="Times New Roman" panose="02020603050405020304" pitchFamily="18" charset="0"/>
+                  <a:cs typeface="Times New Roman" panose="02020603050405020304" pitchFamily="18" charset="0"/>
+                </a:rPr>
+                <a:t>x</a:t>
+              </a:r>
+              <a:endParaRPr lang="zh-CN" altLang="en-US" sz="1200" dirty="0">
+                <a:solidFill>
+                  <a:schemeClr val="tx1"/>
+                </a:solidFill>
+                <a:latin typeface="Times New Roman" panose="02020603050405020304" pitchFamily="18" charset="0"/>
+                <a:cs typeface="Times New Roman" panose="02020603050405020304" pitchFamily="18" charset="0"/>
+              </a:endParaRPr>
+            </a:p>
+          </p:txBody>
+        </p:sp>
+      </p:grpSp>
+      <p:grpSp>
+        <p:nvGrpSpPr>
+          <p:cNvPr id="12" name="组合 11">
+            <a:extLst>
+              <a:ext uri="{FF2B5EF4-FFF2-40B4-BE49-F238E27FC236}">
+                <a16:creationId xmlns:a16="http://schemas.microsoft.com/office/drawing/2014/main" id="{EA147143-2A16-6723-6670-4285CCB502C9}"/>
+              </a:ext>
+            </a:extLst>
+          </p:cNvPr>
+          <p:cNvGrpSpPr/>
+          <p:nvPr/>
+        </p:nvGrpSpPr>
+        <p:grpSpPr>
+          <a:xfrm>
+            <a:off x="5405021" y="2860830"/>
+            <a:ext cx="876300" cy="461966"/>
+            <a:chOff x="5342878" y="1812524"/>
+            <a:chExt cx="876300" cy="461966"/>
+          </a:xfrm>
+        </p:grpSpPr>
+        <p:sp>
+          <p:nvSpPr>
+            <p:cNvPr id="13" name="矩形 12">
+              <a:extLst>
+                <a:ext uri="{FF2B5EF4-FFF2-40B4-BE49-F238E27FC236}">
+                  <a16:creationId xmlns:a16="http://schemas.microsoft.com/office/drawing/2014/main" id="{9E22DD7B-DBBC-7F6A-D91F-7C03B900A8D3}"/>
+                </a:ext>
+              </a:extLst>
+            </p:cNvPr>
+            <p:cNvSpPr/>
+            <p:nvPr/>
+          </p:nvSpPr>
+          <p:spPr>
+            <a:xfrm>
+              <a:off x="5781028" y="1812524"/>
+              <a:ext cx="438150" cy="142875"/>
+            </a:xfrm>
+            <a:prstGeom prst="rect">
+              <a:avLst/>
+            </a:prstGeom>
+            <a:solidFill>
+              <a:schemeClr val="bg1"/>
+            </a:solidFill>
+            <a:ln>
+              <a:solidFill>
+                <a:schemeClr val="tx1"/>
+              </a:solidFill>
+            </a:ln>
+          </p:spPr>
+          <p:style>
+            <a:lnRef idx="2">
+              <a:schemeClr val="accent1">
+                <a:shade val="50000"/>
+              </a:schemeClr>
+            </a:lnRef>
+            <a:fillRef idx="1">
+              <a:schemeClr val="accent1"/>
+            </a:fillRef>
+            <a:effectRef idx="0">
+              <a:schemeClr val="accent1"/>
+            </a:effectRef>
+            <a:fontRef idx="minor">
+              <a:schemeClr val="lt1"/>
+            </a:fontRef>
+          </p:style>
+          <p:txBody>
+            <a:bodyPr rtlCol="0" anchor="ctr"/>
+            <a:lstStyle/>
+            <a:p>
+              <a:pPr algn="ctr"/>
+              <a:r>
+                <a:rPr lang="en-US" altLang="zh-CN" sz="1200" dirty="0">
+                  <a:solidFill>
+                    <a:schemeClr val="tx1"/>
+                  </a:solidFill>
+                  <a:latin typeface="Times New Roman" panose="02020603050405020304" pitchFamily="18" charset="0"/>
+                  <a:cs typeface="Times New Roman" panose="02020603050405020304" pitchFamily="18" charset="0"/>
+                </a:rPr>
+                <a:t>V</a:t>
+              </a:r>
+              <a:endParaRPr lang="zh-CN" altLang="en-US" sz="1200" dirty="0">
+                <a:solidFill>
+                  <a:schemeClr val="tx1"/>
+                </a:solidFill>
+                <a:latin typeface="Times New Roman" panose="02020603050405020304" pitchFamily="18" charset="0"/>
+                <a:cs typeface="Times New Roman" panose="02020603050405020304" pitchFamily="18" charset="0"/>
+              </a:endParaRPr>
+            </a:p>
+          </p:txBody>
+        </p:sp>
+        <p:sp>
+          <p:nvSpPr>
+            <p:cNvPr id="14" name="矩形 13">
+              <a:extLst>
+                <a:ext uri="{FF2B5EF4-FFF2-40B4-BE49-F238E27FC236}">
+                  <a16:creationId xmlns:a16="http://schemas.microsoft.com/office/drawing/2014/main" id="{D43A746A-5D72-A972-DDB5-4CF49153CAEA}"/>
+                </a:ext>
+              </a:extLst>
+            </p:cNvPr>
+            <p:cNvSpPr/>
+            <p:nvPr/>
+          </p:nvSpPr>
+          <p:spPr>
+            <a:xfrm>
+              <a:off x="5342878" y="1812525"/>
+              <a:ext cx="438150" cy="142875"/>
+            </a:xfrm>
+            <a:prstGeom prst="rect">
+              <a:avLst/>
+            </a:prstGeom>
+            <a:solidFill>
+              <a:schemeClr val="bg1"/>
+            </a:solidFill>
+            <a:ln>
+              <a:solidFill>
+                <a:schemeClr val="tx1"/>
+              </a:solidFill>
+            </a:ln>
+          </p:spPr>
+          <p:style>
+            <a:lnRef idx="2">
+              <a:schemeClr val="accent1">
+                <a:shade val="50000"/>
+              </a:schemeClr>
+            </a:lnRef>
+            <a:fillRef idx="1">
+              <a:schemeClr val="accent1"/>
+            </a:fillRef>
+            <a:effectRef idx="0">
+              <a:schemeClr val="accent1"/>
+            </a:effectRef>
+            <a:fontRef idx="minor">
+              <a:schemeClr val="lt1"/>
+            </a:fontRef>
+          </p:style>
+          <p:txBody>
+            <a:bodyPr rtlCol="0" anchor="ctr"/>
+            <a:lstStyle/>
+            <a:p>
+              <a:pPr algn="ctr"/>
+              <a:r>
+                <a:rPr lang="en-US" altLang="zh-CN" sz="1200" dirty="0">
+                  <a:solidFill>
+                    <a:schemeClr val="tx1"/>
+                  </a:solidFill>
+                  <a:latin typeface="Times New Roman" panose="02020603050405020304" pitchFamily="18" charset="0"/>
+                  <a:cs typeface="Times New Roman" panose="02020603050405020304" pitchFamily="18" charset="0"/>
+                </a:rPr>
+                <a:t>K</a:t>
+              </a:r>
+              <a:endParaRPr lang="zh-CN" altLang="en-US" sz="1200" dirty="0">
+                <a:solidFill>
+                  <a:schemeClr val="tx1"/>
+                </a:solidFill>
+                <a:latin typeface="Times New Roman" panose="02020603050405020304" pitchFamily="18" charset="0"/>
+                <a:cs typeface="Times New Roman" panose="02020603050405020304" pitchFamily="18" charset="0"/>
+              </a:endParaRPr>
+            </a:p>
+          </p:txBody>
+        </p:sp>
+        <p:sp>
+          <p:nvSpPr>
+            <p:cNvPr id="15" name="矩形 14">
+              <a:extLst>
+                <a:ext uri="{FF2B5EF4-FFF2-40B4-BE49-F238E27FC236}">
+                  <a16:creationId xmlns:a16="http://schemas.microsoft.com/office/drawing/2014/main" id="{05DB493C-ECB9-F818-7903-2ADBAA56B2A7}"/>
+                </a:ext>
+              </a:extLst>
+            </p:cNvPr>
+            <p:cNvSpPr/>
+            <p:nvPr/>
+          </p:nvSpPr>
+          <p:spPr>
+            <a:xfrm>
+              <a:off x="5781028" y="1955399"/>
+              <a:ext cx="438150" cy="319090"/>
+            </a:xfrm>
+            <a:prstGeom prst="rect">
+              <a:avLst/>
+            </a:prstGeom>
+            <a:solidFill>
+              <a:schemeClr val="bg1"/>
+            </a:solidFill>
+            <a:ln>
+              <a:solidFill>
+                <a:schemeClr val="tx1"/>
+              </a:solidFill>
+            </a:ln>
+          </p:spPr>
+          <p:style>
+            <a:lnRef idx="2">
+              <a:schemeClr val="accent1">
+                <a:shade val="50000"/>
+              </a:schemeClr>
+            </a:lnRef>
+            <a:fillRef idx="1">
+              <a:schemeClr val="accent1"/>
+            </a:fillRef>
+            <a:effectRef idx="0">
+              <a:schemeClr val="accent1"/>
+            </a:effectRef>
+            <a:fontRef idx="minor">
+              <a:schemeClr val="lt1"/>
+            </a:fontRef>
+          </p:style>
+          <p:txBody>
+            <a:bodyPr rtlCol="0" anchor="ctr"/>
+            <a:lstStyle/>
+            <a:p>
+              <a:pPr algn="ctr"/>
+              <a:r>
+                <a:rPr lang="en-US" altLang="zh-CN" sz="1200" strike="sngStrike" dirty="0">
+                  <a:solidFill>
+                    <a:schemeClr val="tx1"/>
+                  </a:solidFill>
+                  <a:latin typeface="Times New Roman" panose="02020603050405020304" pitchFamily="18" charset="0"/>
+                  <a:cs typeface="Times New Roman" panose="02020603050405020304" pitchFamily="18" charset="0"/>
+                </a:rPr>
+                <a:t>2</a:t>
+              </a:r>
+              <a:endParaRPr lang="zh-CN" altLang="en-US" sz="1200" strike="sngStrike" dirty="0">
+                <a:solidFill>
+                  <a:schemeClr val="tx1"/>
+                </a:solidFill>
+                <a:latin typeface="Times New Roman" panose="02020603050405020304" pitchFamily="18" charset="0"/>
+                <a:cs typeface="Times New Roman" panose="02020603050405020304" pitchFamily="18" charset="0"/>
+              </a:endParaRPr>
+            </a:p>
+          </p:txBody>
+        </p:sp>
+        <p:sp>
+          <p:nvSpPr>
+            <p:cNvPr id="16" name="矩形 15">
+              <a:extLst>
+                <a:ext uri="{FF2B5EF4-FFF2-40B4-BE49-F238E27FC236}">
+                  <a16:creationId xmlns:a16="http://schemas.microsoft.com/office/drawing/2014/main" id="{3CB840EC-2577-83DA-6385-A10820BAA247}"/>
+                </a:ext>
+              </a:extLst>
+            </p:cNvPr>
+            <p:cNvSpPr/>
+            <p:nvPr/>
+          </p:nvSpPr>
+          <p:spPr>
+            <a:xfrm>
+              <a:off x="5342878" y="1955400"/>
+              <a:ext cx="438150" cy="319090"/>
+            </a:xfrm>
+            <a:prstGeom prst="rect">
+              <a:avLst/>
+            </a:prstGeom>
+            <a:solidFill>
+              <a:schemeClr val="bg1"/>
+            </a:solidFill>
+            <a:ln>
+              <a:solidFill>
+                <a:schemeClr val="tx1"/>
+              </a:solidFill>
+            </a:ln>
+          </p:spPr>
+          <p:style>
+            <a:lnRef idx="2">
+              <a:schemeClr val="accent1">
+                <a:shade val="50000"/>
+              </a:schemeClr>
+            </a:lnRef>
+            <a:fillRef idx="1">
+              <a:schemeClr val="accent1"/>
+            </a:fillRef>
+            <a:effectRef idx="0">
+              <a:schemeClr val="accent1"/>
+            </a:effectRef>
+            <a:fontRef idx="minor">
+              <a:schemeClr val="lt1"/>
+            </a:fontRef>
+          </p:style>
+          <p:txBody>
+            <a:bodyPr rtlCol="0" anchor="ctr"/>
+            <a:lstStyle/>
+            <a:p>
+              <a:pPr algn="ctr"/>
+              <a:r>
+                <a:rPr lang="en-US" altLang="zh-CN" sz="1200" dirty="0">
+                  <a:solidFill>
+                    <a:schemeClr val="tx1"/>
+                  </a:solidFill>
+                  <a:latin typeface="Times New Roman" panose="02020603050405020304" pitchFamily="18" charset="0"/>
+                  <a:cs typeface="Times New Roman" panose="02020603050405020304" pitchFamily="18" charset="0"/>
+                </a:rPr>
+                <a:t>x</a:t>
+              </a:r>
+              <a:endParaRPr lang="zh-CN" altLang="en-US" sz="1200" dirty="0">
+                <a:solidFill>
+                  <a:schemeClr val="tx1"/>
+                </a:solidFill>
+                <a:latin typeface="Times New Roman" panose="02020603050405020304" pitchFamily="18" charset="0"/>
+                <a:cs typeface="Times New Roman" panose="02020603050405020304" pitchFamily="18" charset="0"/>
+              </a:endParaRPr>
+            </a:p>
+          </p:txBody>
+        </p:sp>
+      </p:grpSp>
+      <p:grpSp>
+        <p:nvGrpSpPr>
+          <p:cNvPr id="19" name="组合 18">
+            <a:extLst>
+              <a:ext uri="{FF2B5EF4-FFF2-40B4-BE49-F238E27FC236}">
+                <a16:creationId xmlns:a16="http://schemas.microsoft.com/office/drawing/2014/main" id="{51FDEEFB-6BC8-4CEE-FDDD-8667F807F9FD}"/>
+              </a:ext>
+            </a:extLst>
+          </p:cNvPr>
+          <p:cNvGrpSpPr/>
+          <p:nvPr/>
+        </p:nvGrpSpPr>
+        <p:grpSpPr>
+          <a:xfrm>
+            <a:off x="2414727" y="1799021"/>
+            <a:ext cx="438150" cy="438150"/>
+            <a:chOff x="1242874" y="1918081"/>
+            <a:chExt cx="438150" cy="438150"/>
+          </a:xfrm>
+        </p:grpSpPr>
+        <p:sp>
+          <p:nvSpPr>
+            <p:cNvPr id="17" name="椭圆 16">
+              <a:extLst>
+                <a:ext uri="{FF2B5EF4-FFF2-40B4-BE49-F238E27FC236}">
+                  <a16:creationId xmlns:a16="http://schemas.microsoft.com/office/drawing/2014/main" id="{BC9A2064-7684-D68B-D507-443E431A237E}"/>
+                </a:ext>
+              </a:extLst>
+            </p:cNvPr>
+            <p:cNvSpPr/>
+            <p:nvPr/>
+          </p:nvSpPr>
+          <p:spPr>
+            <a:xfrm>
+              <a:off x="1242874" y="1918081"/>
+              <a:ext cx="438150" cy="438150"/>
+            </a:xfrm>
+            <a:prstGeom prst="ellipse">
+              <a:avLst/>
+            </a:prstGeom>
+            <a:solidFill>
+              <a:schemeClr val="bg1"/>
+            </a:solidFill>
+            <a:ln>
+              <a:solidFill>
+                <a:schemeClr val="tx1"/>
+              </a:solidFill>
+            </a:ln>
+          </p:spPr>
+          <p:style>
+            <a:lnRef idx="2">
+              <a:schemeClr val="accent1">
+                <a:shade val="50000"/>
+              </a:schemeClr>
+            </a:lnRef>
+            <a:fillRef idx="1">
+              <a:schemeClr val="accent1"/>
+            </a:fillRef>
+            <a:effectRef idx="0">
+              <a:schemeClr val="accent1"/>
+            </a:effectRef>
+            <a:fontRef idx="minor">
+              <a:schemeClr val="lt1"/>
+            </a:fontRef>
+          </p:style>
+          <p:txBody>
+            <a:bodyPr rtlCol="0" anchor="ctr"/>
+            <a:lstStyle/>
+            <a:p>
+              <a:pPr algn="ctr"/>
+              <a:endParaRPr lang="zh-CN" altLang="en-US" dirty="0">
+                <a:solidFill>
+                  <a:schemeClr val="tx1"/>
+                </a:solidFill>
+                <a:latin typeface="Times New Roman" panose="02020603050405020304" pitchFamily="18" charset="0"/>
+                <a:cs typeface="Times New Roman" panose="02020603050405020304" pitchFamily="18" charset="0"/>
+              </a:endParaRPr>
+            </a:p>
+          </p:txBody>
+        </p:sp>
+        <p:sp>
+          <p:nvSpPr>
+            <p:cNvPr id="18" name="文本框 17">
+              <a:extLst>
+                <a:ext uri="{FF2B5EF4-FFF2-40B4-BE49-F238E27FC236}">
+                  <a16:creationId xmlns:a16="http://schemas.microsoft.com/office/drawing/2014/main" id="{38A72364-54E4-18F8-01D9-50503CFC8B84}"/>
+                </a:ext>
+              </a:extLst>
+            </p:cNvPr>
+            <p:cNvSpPr txBox="1"/>
+            <p:nvPr/>
+          </p:nvSpPr>
+          <p:spPr>
+            <a:xfrm>
+              <a:off x="1242874" y="1967879"/>
+              <a:ext cx="438150" cy="338554"/>
+            </a:xfrm>
+            <a:prstGeom prst="rect">
+              <a:avLst/>
+            </a:prstGeom>
+            <a:noFill/>
+          </p:spPr>
+          <p:txBody>
+            <a:bodyPr wrap="square" rtlCol="0">
+              <a:spAutoFit/>
+            </a:bodyPr>
+            <a:lstStyle/>
+            <a:p>
+              <a:pPr algn="ctr"/>
+              <a:r>
+                <a:rPr lang="en-US" altLang="zh-CN" sz="1600" dirty="0">
+                  <a:latin typeface="Times New Roman" panose="02020603050405020304" pitchFamily="18" charset="0"/>
+                  <a:cs typeface="Times New Roman" panose="02020603050405020304" pitchFamily="18" charset="0"/>
+                </a:rPr>
+                <a:t>C1</a:t>
+              </a:r>
+              <a:endParaRPr lang="zh-CN" altLang="en-US" sz="1600" dirty="0">
+                <a:latin typeface="Times New Roman" panose="02020603050405020304" pitchFamily="18" charset="0"/>
+                <a:cs typeface="Times New Roman" panose="02020603050405020304" pitchFamily="18" charset="0"/>
+              </a:endParaRPr>
+            </a:p>
+          </p:txBody>
+        </p:sp>
+      </p:grpSp>
+      <p:grpSp>
+        <p:nvGrpSpPr>
+          <p:cNvPr id="20" name="组合 19">
+            <a:extLst>
+              <a:ext uri="{FF2B5EF4-FFF2-40B4-BE49-F238E27FC236}">
+                <a16:creationId xmlns:a16="http://schemas.microsoft.com/office/drawing/2014/main" id="{79419D15-F1E5-174B-76A2-79A3A50C0E7A}"/>
+              </a:ext>
+            </a:extLst>
+          </p:cNvPr>
+          <p:cNvGrpSpPr/>
+          <p:nvPr/>
+        </p:nvGrpSpPr>
+        <p:grpSpPr>
+          <a:xfrm>
+            <a:off x="2414727" y="2860184"/>
+            <a:ext cx="438150" cy="438150"/>
+            <a:chOff x="1242874" y="1918081"/>
+            <a:chExt cx="438150" cy="438150"/>
+          </a:xfrm>
+        </p:grpSpPr>
+        <p:sp>
+          <p:nvSpPr>
+            <p:cNvPr id="21" name="椭圆 20">
+              <a:extLst>
+                <a:ext uri="{FF2B5EF4-FFF2-40B4-BE49-F238E27FC236}">
+                  <a16:creationId xmlns:a16="http://schemas.microsoft.com/office/drawing/2014/main" id="{8F026306-A2A9-0A5A-06E8-5681203DEF22}"/>
+                </a:ext>
+              </a:extLst>
+            </p:cNvPr>
+            <p:cNvSpPr/>
+            <p:nvPr/>
+          </p:nvSpPr>
+          <p:spPr>
+            <a:xfrm>
+              <a:off x="1242874" y="1918081"/>
+              <a:ext cx="438150" cy="438150"/>
+            </a:xfrm>
+            <a:prstGeom prst="ellipse">
+              <a:avLst/>
+            </a:prstGeom>
+            <a:solidFill>
+              <a:schemeClr val="bg1"/>
+            </a:solidFill>
+            <a:ln>
+              <a:solidFill>
+                <a:schemeClr val="tx1"/>
+              </a:solidFill>
+            </a:ln>
+          </p:spPr>
+          <p:style>
+            <a:lnRef idx="2">
+              <a:schemeClr val="accent1">
+                <a:shade val="50000"/>
+              </a:schemeClr>
+            </a:lnRef>
+            <a:fillRef idx="1">
+              <a:schemeClr val="accent1"/>
+            </a:fillRef>
+            <a:effectRef idx="0">
+              <a:schemeClr val="accent1"/>
+            </a:effectRef>
+            <a:fontRef idx="minor">
+              <a:schemeClr val="lt1"/>
+            </a:fontRef>
+          </p:style>
+          <p:txBody>
+            <a:bodyPr rtlCol="0" anchor="ctr"/>
+            <a:lstStyle/>
+            <a:p>
+              <a:pPr algn="ctr"/>
+              <a:endParaRPr lang="zh-CN" altLang="en-US" dirty="0">
+                <a:solidFill>
+                  <a:schemeClr val="tx1"/>
+                </a:solidFill>
+                <a:latin typeface="Times New Roman" panose="02020603050405020304" pitchFamily="18" charset="0"/>
+                <a:cs typeface="Times New Roman" panose="02020603050405020304" pitchFamily="18" charset="0"/>
+              </a:endParaRPr>
+            </a:p>
+          </p:txBody>
+        </p:sp>
+        <p:sp>
+          <p:nvSpPr>
+            <p:cNvPr id="22" name="文本框 21">
+              <a:extLst>
+                <a:ext uri="{FF2B5EF4-FFF2-40B4-BE49-F238E27FC236}">
+                  <a16:creationId xmlns:a16="http://schemas.microsoft.com/office/drawing/2014/main" id="{7CF8B762-741E-FCAA-6DC0-732724C58DC6}"/>
+                </a:ext>
+              </a:extLst>
+            </p:cNvPr>
+            <p:cNvSpPr txBox="1"/>
+            <p:nvPr/>
+          </p:nvSpPr>
+          <p:spPr>
+            <a:xfrm>
+              <a:off x="1242874" y="1967879"/>
+              <a:ext cx="438150" cy="338554"/>
+            </a:xfrm>
+            <a:prstGeom prst="rect">
+              <a:avLst/>
+            </a:prstGeom>
+            <a:noFill/>
+          </p:spPr>
+          <p:txBody>
+            <a:bodyPr wrap="square" rtlCol="0">
+              <a:spAutoFit/>
+            </a:bodyPr>
+            <a:lstStyle/>
+            <a:p>
+              <a:pPr algn="ctr"/>
+              <a:r>
+                <a:rPr lang="en-US" altLang="zh-CN" sz="1600" dirty="0">
+                  <a:latin typeface="Times New Roman" panose="02020603050405020304" pitchFamily="18" charset="0"/>
+                  <a:cs typeface="Times New Roman" panose="02020603050405020304" pitchFamily="18" charset="0"/>
+                </a:rPr>
+                <a:t>C2</a:t>
+              </a:r>
+              <a:endParaRPr lang="zh-CN" altLang="en-US" sz="1600" dirty="0">
+                <a:latin typeface="Times New Roman" panose="02020603050405020304" pitchFamily="18" charset="0"/>
+                <a:cs typeface="Times New Roman" panose="02020603050405020304" pitchFamily="18" charset="0"/>
+              </a:endParaRPr>
+            </a:p>
+          </p:txBody>
+        </p:sp>
+      </p:grpSp>
+      <p:cxnSp>
+        <p:nvCxnSpPr>
+          <p:cNvPr id="24" name="直接箭头连接符 23">
+            <a:extLst>
+              <a:ext uri="{FF2B5EF4-FFF2-40B4-BE49-F238E27FC236}">
+                <a16:creationId xmlns:a16="http://schemas.microsoft.com/office/drawing/2014/main" id="{0E9F5A86-F83A-4B40-68B7-1806AA6D2F55}"/>
+              </a:ext>
+            </a:extLst>
+          </p:cNvPr>
+          <p:cNvCxnSpPr>
+            <a:stCxn id="18" idx="3"/>
+            <a:endCxn id="4" idx="1"/>
+          </p:cNvCxnSpPr>
+          <p:nvPr/>
+        </p:nvCxnSpPr>
+        <p:spPr>
+          <a:xfrm flipV="1">
+            <a:off x="2852877" y="2015231"/>
+            <a:ext cx="937888" cy="2865"/>
+          </a:xfrm>
+          <a:prstGeom prst="straightConnector1">
+            <a:avLst/>
+          </a:prstGeom>
+          <a:ln>
+            <a:solidFill>
+              <a:schemeClr val="tx1"/>
+            </a:solidFill>
+            <a:tailEnd type="triangle"/>
+          </a:ln>
+        </p:spPr>
+        <p:style>
+          <a:lnRef idx="1">
+            <a:schemeClr val="accent1"/>
+          </a:lnRef>
+          <a:fillRef idx="0">
+            <a:schemeClr val="accent1"/>
+          </a:fillRef>
+          <a:effectRef idx="0">
+            <a:schemeClr val="accent1"/>
+          </a:effectRef>
+          <a:fontRef idx="minor">
+            <a:schemeClr val="tx1"/>
+          </a:fontRef>
+        </p:style>
+      </p:cxnSp>
+      <p:cxnSp>
+        <p:nvCxnSpPr>
+          <p:cNvPr id="26" name="直接箭头连接符 25">
+            <a:extLst>
+              <a:ext uri="{FF2B5EF4-FFF2-40B4-BE49-F238E27FC236}">
+                <a16:creationId xmlns:a16="http://schemas.microsoft.com/office/drawing/2014/main" id="{55B4EC97-24BF-8CAC-6171-F767F64705B4}"/>
+              </a:ext>
+            </a:extLst>
+          </p:cNvPr>
+          <p:cNvCxnSpPr>
+            <a:cxnSpLocks/>
+            <a:stCxn id="18" idx="3"/>
+            <a:endCxn id="5" idx="1"/>
+          </p:cNvCxnSpPr>
+          <p:nvPr/>
+        </p:nvCxnSpPr>
+        <p:spPr>
+          <a:xfrm>
+            <a:off x="2852877" y="2018096"/>
+            <a:ext cx="937888" cy="1064676"/>
+          </a:xfrm>
+          <a:prstGeom prst="straightConnector1">
+            <a:avLst/>
+          </a:prstGeom>
+          <a:ln>
+            <a:solidFill>
+              <a:schemeClr val="tx1"/>
+            </a:solidFill>
+            <a:tailEnd type="triangle"/>
+          </a:ln>
+        </p:spPr>
+        <p:style>
+          <a:lnRef idx="1">
+            <a:schemeClr val="accent1"/>
+          </a:lnRef>
+          <a:fillRef idx="0">
+            <a:schemeClr val="accent1"/>
+          </a:fillRef>
+          <a:effectRef idx="0">
+            <a:schemeClr val="accent1"/>
+          </a:effectRef>
+          <a:fontRef idx="minor">
+            <a:schemeClr val="tx1"/>
+          </a:fontRef>
+        </p:style>
+      </p:cxnSp>
+      <p:cxnSp>
+        <p:nvCxnSpPr>
+          <p:cNvPr id="29" name="直接箭头连接符 28">
+            <a:extLst>
+              <a:ext uri="{FF2B5EF4-FFF2-40B4-BE49-F238E27FC236}">
+                <a16:creationId xmlns:a16="http://schemas.microsoft.com/office/drawing/2014/main" id="{D5CD5407-2371-7B9E-1ABF-20A7541B1904}"/>
+              </a:ext>
+            </a:extLst>
+          </p:cNvPr>
+          <p:cNvCxnSpPr>
+            <a:stCxn id="22" idx="3"/>
+            <a:endCxn id="4" idx="1"/>
+          </p:cNvCxnSpPr>
+          <p:nvPr/>
+        </p:nvCxnSpPr>
+        <p:spPr>
+          <a:xfrm flipV="1">
+            <a:off x="2852877" y="2015231"/>
+            <a:ext cx="937888" cy="1064028"/>
+          </a:xfrm>
+          <a:prstGeom prst="straightConnector1">
+            <a:avLst/>
+          </a:prstGeom>
+          <a:ln>
+            <a:solidFill>
+              <a:srgbClr val="00B0F0"/>
+            </a:solidFill>
+            <a:tailEnd type="triangle"/>
+          </a:ln>
+        </p:spPr>
+        <p:style>
+          <a:lnRef idx="1">
+            <a:schemeClr val="accent1"/>
+          </a:lnRef>
+          <a:fillRef idx="0">
+            <a:schemeClr val="accent1"/>
+          </a:fillRef>
+          <a:effectRef idx="0">
+            <a:schemeClr val="accent1"/>
+          </a:effectRef>
+          <a:fontRef idx="minor">
+            <a:schemeClr val="tx1"/>
+          </a:fontRef>
+        </p:style>
+      </p:cxnSp>
+      <p:cxnSp>
+        <p:nvCxnSpPr>
+          <p:cNvPr id="31" name="直接箭头连接符 30">
+            <a:extLst>
+              <a:ext uri="{FF2B5EF4-FFF2-40B4-BE49-F238E27FC236}">
+                <a16:creationId xmlns:a16="http://schemas.microsoft.com/office/drawing/2014/main" id="{0A5B4FA4-0E33-449F-0DE8-E1973590E69B}"/>
+              </a:ext>
+            </a:extLst>
+          </p:cNvPr>
+          <p:cNvCxnSpPr>
+            <a:cxnSpLocks/>
+            <a:stCxn id="22" idx="3"/>
+            <a:endCxn id="5" idx="1"/>
+          </p:cNvCxnSpPr>
+          <p:nvPr/>
+        </p:nvCxnSpPr>
+        <p:spPr>
+          <a:xfrm>
+            <a:off x="2852877" y="3079259"/>
+            <a:ext cx="937888" cy="3513"/>
+          </a:xfrm>
+          <a:prstGeom prst="straightConnector1">
+            <a:avLst/>
+          </a:prstGeom>
+          <a:ln>
+            <a:solidFill>
+              <a:srgbClr val="00B0F0"/>
+            </a:solidFill>
+            <a:tailEnd type="triangle"/>
+          </a:ln>
+        </p:spPr>
+        <p:style>
+          <a:lnRef idx="1">
+            <a:schemeClr val="accent1"/>
+          </a:lnRef>
+          <a:fillRef idx="0">
+            <a:schemeClr val="accent1"/>
+          </a:fillRef>
+          <a:effectRef idx="0">
+            <a:schemeClr val="accent1"/>
+          </a:effectRef>
+          <a:fontRef idx="minor">
+            <a:schemeClr val="tx1"/>
+          </a:fontRef>
+        </p:style>
+      </p:cxnSp>
+      <mc:AlternateContent xmlns:mc="http://schemas.openxmlformats.org/markup-compatibility/2006">
+        <mc:Choice xmlns:a14="http://schemas.microsoft.com/office/drawing/2010/main" Requires="a14">
+          <p:sp>
+            <p:nvSpPr>
+              <p:cNvPr id="32" name="文本框 31">
+                <a:extLst>
+                  <a:ext uri="{FF2B5EF4-FFF2-40B4-BE49-F238E27FC236}">
+                    <a16:creationId xmlns:a16="http://schemas.microsoft.com/office/drawing/2014/main" id="{FCB89138-2A7D-3BE0-2642-8E120CF20BD9}"/>
+                  </a:ext>
+                </a:extLst>
+              </p:cNvPr>
+              <p:cNvSpPr txBox="1"/>
+              <p:nvPr/>
+            </p:nvSpPr>
+            <p:spPr>
+              <a:xfrm>
+                <a:off x="3027285" y="1757436"/>
+                <a:ext cx="609414" cy="261610"/>
+              </a:xfrm>
+              <a:prstGeom prst="rect">
+                <a:avLst/>
+              </a:prstGeom>
+              <a:noFill/>
+            </p:spPr>
+            <p:txBody>
+              <a:bodyPr wrap="square" rtlCol="0">
+                <a:spAutoFit/>
+              </a:bodyPr>
+              <a:lstStyle/>
+              <a:p>
+                <a14:m>
+                  <m:oMathPara xmlns:m="http://schemas.openxmlformats.org/officeDocument/2006/math">
+                    <m:oMathParaPr>
+                      <m:jc m:val="centerGroup"/>
+                    </m:oMathParaPr>
+                    <m:oMath xmlns:m="http://schemas.openxmlformats.org/officeDocument/2006/math">
+                      <m:r>
+                        <a:rPr lang="en-US" altLang="zh-CN" sz="1100" i="1" dirty="0" smtClean="0">
+                          <a:latin typeface="Cambria Math" panose="02040503050406030204" pitchFamily="18" charset="0"/>
+                        </a:rPr>
+                        <m:t>𝑥</m:t>
+                      </m:r>
+                      <m:r>
+                        <a:rPr lang="en-US" altLang="zh-CN" sz="1100" i="1" dirty="0" smtClean="0">
+                          <a:latin typeface="Cambria Math" panose="02040503050406030204" pitchFamily="18" charset="0"/>
+                        </a:rPr>
+                        <m:t> </m:t>
+                      </m:r>
+                      <m:r>
+                        <a:rPr lang="en-US" altLang="zh-CN" sz="1100" i="1" dirty="0" smtClean="0">
+                          <a:latin typeface="Cambria Math" panose="02040503050406030204" pitchFamily="18" charset="0"/>
+                          <a:ea typeface="Cambria Math" panose="02040503050406030204" pitchFamily="18" charset="0"/>
+                        </a:rPr>
+                        <m:t>→</m:t>
+                      </m:r>
+                      <m:r>
+                        <a:rPr lang="en-US" altLang="zh-CN" sz="1100" i="1" dirty="0" smtClean="0">
+                          <a:latin typeface="Cambria Math" panose="02040503050406030204" pitchFamily="18" charset="0"/>
+                        </a:rPr>
+                        <m:t> 1</m:t>
+                      </m:r>
+                    </m:oMath>
+                  </m:oMathPara>
+                </a14:m>
+                <a:endParaRPr lang="zh-CN" altLang="en-US" sz="1100" dirty="0"/>
+              </a:p>
+            </p:txBody>
+          </p:sp>
+        </mc:Choice>
+        <mc:Fallback>
+          <p:sp>
+            <p:nvSpPr>
+              <p:cNvPr id="32" name="文本框 31">
+                <a:extLst>
+                  <a:ext uri="{FF2B5EF4-FFF2-40B4-BE49-F238E27FC236}">
+                    <a16:creationId xmlns:a16="http://schemas.microsoft.com/office/drawing/2014/main" id="{FCB89138-2A7D-3BE0-2642-8E120CF20BD9}"/>
+                  </a:ext>
+                </a:extLst>
+              </p:cNvPr>
+              <p:cNvSpPr txBox="1">
+                <a:spLocks noRot="1" noChangeAspect="1" noMove="1" noResize="1" noEditPoints="1" noAdjustHandles="1" noChangeArrowheads="1" noChangeShapeType="1" noTextEdit="1"/>
+              </p:cNvSpPr>
+              <p:nvPr/>
+            </p:nvSpPr>
+            <p:spPr>
+              <a:xfrm>
+                <a:off x="3027285" y="1757436"/>
+                <a:ext cx="609414" cy="261610"/>
+              </a:xfrm>
+              <a:prstGeom prst="rect">
+                <a:avLst/>
+              </a:prstGeom>
+              <a:blipFill>
+                <a:blip r:embed="rId2"/>
+                <a:stretch>
+                  <a:fillRect/>
+                </a:stretch>
+              </a:blipFill>
+            </p:spPr>
+            <p:txBody>
+              <a:bodyPr/>
+              <a:lstStyle/>
+              <a:p>
+                <a:r>
+                  <a:rPr lang="zh-CN" altLang="en-US">
+                    <a:noFill/>
+                  </a:rPr>
+                  <a:t> </a:t>
+                </a:r>
+              </a:p>
+            </p:txBody>
+          </p:sp>
+        </mc:Fallback>
+      </mc:AlternateContent>
+      <mc:AlternateContent xmlns:mc="http://schemas.openxmlformats.org/markup-compatibility/2006">
+        <mc:Choice xmlns:a14="http://schemas.microsoft.com/office/drawing/2010/main" Requires="a14">
+          <p:sp>
+            <p:nvSpPr>
+              <p:cNvPr id="33" name="文本框 32">
+                <a:extLst>
+                  <a:ext uri="{FF2B5EF4-FFF2-40B4-BE49-F238E27FC236}">
+                    <a16:creationId xmlns:a16="http://schemas.microsoft.com/office/drawing/2014/main" id="{788E9101-B472-D3B0-3CC5-92777D11DE2A}"/>
+                  </a:ext>
+                </a:extLst>
+              </p:cNvPr>
+              <p:cNvSpPr txBox="1"/>
+              <p:nvPr/>
+            </p:nvSpPr>
+            <p:spPr>
+              <a:xfrm>
+                <a:off x="2769929" y="2131265"/>
+                <a:ext cx="609414" cy="261610"/>
+              </a:xfrm>
+              <a:prstGeom prst="rect">
+                <a:avLst/>
+              </a:prstGeom>
+              <a:noFill/>
+            </p:spPr>
+            <p:txBody>
+              <a:bodyPr wrap="square" rtlCol="0">
+                <a:spAutoFit/>
+              </a:bodyPr>
+              <a:lstStyle/>
+              <a:p>
+                <a14:m>
+                  <m:oMathPara xmlns:m="http://schemas.openxmlformats.org/officeDocument/2006/math">
+                    <m:oMathParaPr>
+                      <m:jc m:val="centerGroup"/>
+                    </m:oMathParaPr>
+                    <m:oMath xmlns:m="http://schemas.openxmlformats.org/officeDocument/2006/math">
+                      <m:r>
+                        <a:rPr lang="en-US" altLang="zh-CN" sz="1100" i="1" dirty="0" smtClean="0">
+                          <a:latin typeface="Cambria Math" panose="02040503050406030204" pitchFamily="18" charset="0"/>
+                        </a:rPr>
+                        <m:t>𝑥</m:t>
+                      </m:r>
+                      <m:r>
+                        <a:rPr lang="en-US" altLang="zh-CN" sz="1100" i="1" dirty="0" smtClean="0">
+                          <a:latin typeface="Cambria Math" panose="02040503050406030204" pitchFamily="18" charset="0"/>
+                        </a:rPr>
+                        <m:t> </m:t>
+                      </m:r>
+                      <m:r>
+                        <a:rPr lang="en-US" altLang="zh-CN" sz="1100" i="1" dirty="0" smtClean="0">
+                          <a:latin typeface="Cambria Math" panose="02040503050406030204" pitchFamily="18" charset="0"/>
+                          <a:ea typeface="Cambria Math" panose="02040503050406030204" pitchFamily="18" charset="0"/>
+                        </a:rPr>
+                        <m:t>→</m:t>
+                      </m:r>
+                      <m:r>
+                        <a:rPr lang="en-US" altLang="zh-CN" sz="1100" i="1" dirty="0" smtClean="0">
+                          <a:latin typeface="Cambria Math" panose="02040503050406030204" pitchFamily="18" charset="0"/>
+                        </a:rPr>
+                        <m:t> 1</m:t>
+                      </m:r>
+                    </m:oMath>
+                  </m:oMathPara>
+                </a14:m>
+                <a:endParaRPr lang="zh-CN" altLang="en-US" sz="1100" dirty="0"/>
+              </a:p>
+            </p:txBody>
+          </p:sp>
+        </mc:Choice>
+        <mc:Fallback>
+          <p:sp>
+            <p:nvSpPr>
+              <p:cNvPr id="33" name="文本框 32">
+                <a:extLst>
+                  <a:ext uri="{FF2B5EF4-FFF2-40B4-BE49-F238E27FC236}">
+                    <a16:creationId xmlns:a16="http://schemas.microsoft.com/office/drawing/2014/main" id="{788E9101-B472-D3B0-3CC5-92777D11DE2A}"/>
+                  </a:ext>
+                </a:extLst>
+              </p:cNvPr>
+              <p:cNvSpPr txBox="1">
+                <a:spLocks noRot="1" noChangeAspect="1" noMove="1" noResize="1" noEditPoints="1" noAdjustHandles="1" noChangeArrowheads="1" noChangeShapeType="1" noTextEdit="1"/>
+              </p:cNvSpPr>
+              <p:nvPr/>
+            </p:nvSpPr>
+            <p:spPr>
+              <a:xfrm>
+                <a:off x="2769929" y="2131265"/>
+                <a:ext cx="609414" cy="261610"/>
+              </a:xfrm>
+              <a:prstGeom prst="rect">
+                <a:avLst/>
+              </a:prstGeom>
+              <a:blipFill>
+                <a:blip r:embed="rId3"/>
+                <a:stretch>
+                  <a:fillRect/>
+                </a:stretch>
+              </a:blipFill>
+            </p:spPr>
+            <p:txBody>
+              <a:bodyPr/>
+              <a:lstStyle/>
+              <a:p>
+                <a:r>
+                  <a:rPr lang="zh-CN" altLang="en-US">
+                    <a:noFill/>
+                  </a:rPr>
+                  <a:t> </a:t>
+                </a:r>
+              </a:p>
+            </p:txBody>
+          </p:sp>
+        </mc:Fallback>
+      </mc:AlternateContent>
+      <mc:AlternateContent xmlns:mc="http://schemas.openxmlformats.org/markup-compatibility/2006">
+        <mc:Choice xmlns:a14="http://schemas.microsoft.com/office/drawing/2010/main" Requires="a14">
+          <p:sp>
+            <p:nvSpPr>
+              <p:cNvPr id="34" name="文本框 33">
+                <a:extLst>
+                  <a:ext uri="{FF2B5EF4-FFF2-40B4-BE49-F238E27FC236}">
+                    <a16:creationId xmlns:a16="http://schemas.microsoft.com/office/drawing/2014/main" id="{E0BAAEBB-D905-C98E-D545-F907821865DA}"/>
+                  </a:ext>
+                </a:extLst>
+              </p:cNvPr>
+              <p:cNvSpPr txBox="1"/>
+              <p:nvPr/>
+            </p:nvSpPr>
+            <p:spPr>
+              <a:xfrm>
+                <a:off x="3017114" y="3099905"/>
+                <a:ext cx="609414" cy="261610"/>
+              </a:xfrm>
+              <a:prstGeom prst="rect">
+                <a:avLst/>
+              </a:prstGeom>
+              <a:noFill/>
+            </p:spPr>
+            <p:txBody>
+              <a:bodyPr wrap="square" rtlCol="0">
+                <a:spAutoFit/>
+              </a:bodyPr>
+              <a:lstStyle/>
+              <a:p>
+                <a14:m>
+                  <m:oMathPara xmlns:m="http://schemas.openxmlformats.org/officeDocument/2006/math">
+                    <m:oMathParaPr>
+                      <m:jc m:val="centerGroup"/>
+                    </m:oMathParaPr>
+                    <m:oMath xmlns:m="http://schemas.openxmlformats.org/officeDocument/2006/math">
+                      <m:r>
+                        <a:rPr lang="en-US" altLang="zh-CN" sz="1100" i="1" dirty="0" smtClean="0">
+                          <a:latin typeface="Cambria Math" panose="02040503050406030204" pitchFamily="18" charset="0"/>
+                        </a:rPr>
+                        <m:t>𝑥</m:t>
+                      </m:r>
+                      <m:r>
+                        <a:rPr lang="en-US" altLang="zh-CN" sz="1100" i="1" dirty="0" smtClean="0">
+                          <a:latin typeface="Cambria Math" panose="02040503050406030204" pitchFamily="18" charset="0"/>
+                        </a:rPr>
+                        <m:t> </m:t>
+                      </m:r>
+                      <m:r>
+                        <a:rPr lang="en-US" altLang="zh-CN" sz="1100" i="1" dirty="0" smtClean="0">
+                          <a:latin typeface="Cambria Math" panose="02040503050406030204" pitchFamily="18" charset="0"/>
+                          <a:ea typeface="Cambria Math" panose="02040503050406030204" pitchFamily="18" charset="0"/>
+                        </a:rPr>
+                        <m:t>→</m:t>
+                      </m:r>
+                      <m:r>
+                        <a:rPr lang="en-US" altLang="zh-CN" sz="1100" b="0" i="1" dirty="0" smtClean="0">
+                          <a:latin typeface="Cambria Math" panose="02040503050406030204" pitchFamily="18" charset="0"/>
+                        </a:rPr>
+                        <m:t>2</m:t>
+                      </m:r>
+                    </m:oMath>
+                  </m:oMathPara>
+                </a14:m>
+                <a:endParaRPr lang="zh-CN" altLang="en-US" sz="1100" dirty="0"/>
+              </a:p>
+            </p:txBody>
+          </p:sp>
+        </mc:Choice>
+        <mc:Fallback>
+          <p:sp>
+            <p:nvSpPr>
+              <p:cNvPr id="34" name="文本框 33">
+                <a:extLst>
+                  <a:ext uri="{FF2B5EF4-FFF2-40B4-BE49-F238E27FC236}">
+                    <a16:creationId xmlns:a16="http://schemas.microsoft.com/office/drawing/2014/main" id="{E0BAAEBB-D905-C98E-D545-F907821865DA}"/>
+                  </a:ext>
+                </a:extLst>
+              </p:cNvPr>
+              <p:cNvSpPr txBox="1">
+                <a:spLocks noRot="1" noChangeAspect="1" noMove="1" noResize="1" noEditPoints="1" noAdjustHandles="1" noChangeArrowheads="1" noChangeShapeType="1" noTextEdit="1"/>
+              </p:cNvSpPr>
+              <p:nvPr/>
+            </p:nvSpPr>
+            <p:spPr>
+              <a:xfrm>
+                <a:off x="3017114" y="3099905"/>
+                <a:ext cx="609414" cy="261610"/>
+              </a:xfrm>
+              <a:prstGeom prst="rect">
+                <a:avLst/>
+              </a:prstGeom>
+              <a:blipFill>
+                <a:blip r:embed="rId4"/>
+                <a:stretch>
+                  <a:fillRect/>
+                </a:stretch>
+              </a:blipFill>
+            </p:spPr>
+            <p:txBody>
+              <a:bodyPr/>
+              <a:lstStyle/>
+              <a:p>
+                <a:r>
+                  <a:rPr lang="zh-CN" altLang="en-US">
+                    <a:noFill/>
+                  </a:rPr>
+                  <a:t> </a:t>
+                </a:r>
+              </a:p>
+            </p:txBody>
+          </p:sp>
+        </mc:Fallback>
+      </mc:AlternateContent>
+      <mc:AlternateContent xmlns:mc="http://schemas.openxmlformats.org/markup-compatibility/2006">
+        <mc:Choice xmlns:a14="http://schemas.microsoft.com/office/drawing/2010/main" Requires="a14">
+          <p:sp>
+            <p:nvSpPr>
+              <p:cNvPr id="35" name="文本框 34">
+                <a:extLst>
+                  <a:ext uri="{FF2B5EF4-FFF2-40B4-BE49-F238E27FC236}">
+                    <a16:creationId xmlns:a16="http://schemas.microsoft.com/office/drawing/2014/main" id="{087ABAA4-AB00-EE1C-2944-FD446CABF1E6}"/>
+                  </a:ext>
+                </a:extLst>
+              </p:cNvPr>
+              <p:cNvSpPr txBox="1"/>
+              <p:nvPr/>
+            </p:nvSpPr>
+            <p:spPr>
+              <a:xfrm>
+                <a:off x="2769929" y="2681791"/>
+                <a:ext cx="609414" cy="261610"/>
+              </a:xfrm>
+              <a:prstGeom prst="rect">
+                <a:avLst/>
+              </a:prstGeom>
+              <a:noFill/>
+            </p:spPr>
+            <p:txBody>
+              <a:bodyPr wrap="square" rtlCol="0">
+                <a:spAutoFit/>
+              </a:bodyPr>
+              <a:lstStyle/>
+              <a:p>
+                <a14:m>
+                  <m:oMathPara xmlns:m="http://schemas.openxmlformats.org/officeDocument/2006/math">
+                    <m:oMathParaPr>
+                      <m:jc m:val="centerGroup"/>
+                    </m:oMathParaPr>
+                    <m:oMath xmlns:m="http://schemas.openxmlformats.org/officeDocument/2006/math">
+                      <m:r>
+                        <a:rPr lang="en-US" altLang="zh-CN" sz="1100" i="1" dirty="0" smtClean="0">
+                          <a:latin typeface="Cambria Math" panose="02040503050406030204" pitchFamily="18" charset="0"/>
+                        </a:rPr>
+                        <m:t>𝑥</m:t>
+                      </m:r>
+                      <m:r>
+                        <a:rPr lang="en-US" altLang="zh-CN" sz="1100" i="1" dirty="0" smtClean="0">
+                          <a:latin typeface="Cambria Math" panose="02040503050406030204" pitchFamily="18" charset="0"/>
+                        </a:rPr>
+                        <m:t> </m:t>
+                      </m:r>
+                      <m:r>
+                        <a:rPr lang="en-US" altLang="zh-CN" sz="1100" i="1" dirty="0" smtClean="0">
+                          <a:latin typeface="Cambria Math" panose="02040503050406030204" pitchFamily="18" charset="0"/>
+                          <a:ea typeface="Cambria Math" panose="02040503050406030204" pitchFamily="18" charset="0"/>
+                        </a:rPr>
+                        <m:t>→</m:t>
+                      </m:r>
+                      <m:r>
+                        <a:rPr lang="en-US" altLang="zh-CN" sz="1100" b="0" i="1" dirty="0" smtClean="0">
+                          <a:latin typeface="Cambria Math" panose="02040503050406030204" pitchFamily="18" charset="0"/>
+                        </a:rPr>
+                        <m:t>2</m:t>
+                      </m:r>
+                    </m:oMath>
+                  </m:oMathPara>
+                </a14:m>
+                <a:endParaRPr lang="zh-CN" altLang="en-US" sz="1100" dirty="0"/>
+              </a:p>
+            </p:txBody>
+          </p:sp>
+        </mc:Choice>
+        <mc:Fallback>
+          <p:sp>
+            <p:nvSpPr>
+              <p:cNvPr id="35" name="文本框 34">
+                <a:extLst>
+                  <a:ext uri="{FF2B5EF4-FFF2-40B4-BE49-F238E27FC236}">
+                    <a16:creationId xmlns:a16="http://schemas.microsoft.com/office/drawing/2014/main" id="{087ABAA4-AB00-EE1C-2944-FD446CABF1E6}"/>
+                  </a:ext>
+                </a:extLst>
+              </p:cNvPr>
+              <p:cNvSpPr txBox="1">
+                <a:spLocks noRot="1" noChangeAspect="1" noMove="1" noResize="1" noEditPoints="1" noAdjustHandles="1" noChangeArrowheads="1" noChangeShapeType="1" noTextEdit="1"/>
+              </p:cNvSpPr>
+              <p:nvPr/>
+            </p:nvSpPr>
+            <p:spPr>
+              <a:xfrm>
+                <a:off x="2769929" y="2681791"/>
+                <a:ext cx="609414" cy="261610"/>
+              </a:xfrm>
+              <a:prstGeom prst="rect">
+                <a:avLst/>
+              </a:prstGeom>
+              <a:blipFill>
+                <a:blip r:embed="rId5"/>
+                <a:stretch>
+                  <a:fillRect/>
+                </a:stretch>
+              </a:blipFill>
+            </p:spPr>
+            <p:txBody>
+              <a:bodyPr/>
+              <a:lstStyle/>
+              <a:p>
+                <a:r>
+                  <a:rPr lang="zh-CN" altLang="en-US">
+                    <a:noFill/>
+                  </a:rPr>
+                  <a:t> </a:t>
+                </a:r>
+              </a:p>
+            </p:txBody>
+          </p:sp>
+        </mc:Fallback>
+      </mc:AlternateContent>
+      <p:cxnSp>
+        <p:nvCxnSpPr>
+          <p:cNvPr id="37" name="直接箭头连接符 36">
+            <a:extLst>
+              <a:ext uri="{FF2B5EF4-FFF2-40B4-BE49-F238E27FC236}">
+                <a16:creationId xmlns:a16="http://schemas.microsoft.com/office/drawing/2014/main" id="{03B0DC26-B725-FF89-19BE-35B1E77132EA}"/>
+              </a:ext>
+            </a:extLst>
+          </p:cNvPr>
+          <p:cNvCxnSpPr>
+            <a:cxnSpLocks/>
+            <a:stCxn id="4" idx="3"/>
+          </p:cNvCxnSpPr>
+          <p:nvPr/>
+        </p:nvCxnSpPr>
+        <p:spPr>
+          <a:xfrm flipV="1">
+            <a:off x="4554245" y="2015230"/>
+            <a:ext cx="832143" cy="1"/>
+          </a:xfrm>
+          <a:prstGeom prst="straightConnector1">
+            <a:avLst/>
+          </a:prstGeom>
+          <a:ln>
+            <a:solidFill>
+              <a:schemeClr val="tx1"/>
+            </a:solidFill>
+            <a:tailEnd type="triangle"/>
+          </a:ln>
+        </p:spPr>
+        <p:style>
+          <a:lnRef idx="1">
+            <a:schemeClr val="accent1"/>
+          </a:lnRef>
+          <a:fillRef idx="0">
+            <a:schemeClr val="accent1"/>
+          </a:fillRef>
+          <a:effectRef idx="0">
+            <a:schemeClr val="accent1"/>
+          </a:effectRef>
+          <a:fontRef idx="minor">
+            <a:schemeClr val="tx1"/>
+          </a:fontRef>
+        </p:style>
+      </p:cxnSp>
+      <p:cxnSp>
+        <p:nvCxnSpPr>
+          <p:cNvPr id="39" name="直接箭头连接符 38">
+            <a:extLst>
+              <a:ext uri="{FF2B5EF4-FFF2-40B4-BE49-F238E27FC236}">
+                <a16:creationId xmlns:a16="http://schemas.microsoft.com/office/drawing/2014/main" id="{CD12C3A5-B607-4988-EFAC-6DD706F644F9}"/>
+              </a:ext>
+            </a:extLst>
+          </p:cNvPr>
+          <p:cNvCxnSpPr>
+            <a:cxnSpLocks/>
+          </p:cNvCxnSpPr>
+          <p:nvPr/>
+        </p:nvCxnSpPr>
+        <p:spPr>
+          <a:xfrm flipV="1">
+            <a:off x="4549595" y="3093455"/>
+            <a:ext cx="832143" cy="1"/>
+          </a:xfrm>
+          <a:prstGeom prst="straightConnector1">
+            <a:avLst/>
+          </a:prstGeom>
+          <a:ln>
+            <a:solidFill>
+              <a:schemeClr val="tx1"/>
+            </a:solidFill>
+            <a:tailEnd type="triangle"/>
+          </a:ln>
+        </p:spPr>
+        <p:style>
+          <a:lnRef idx="1">
+            <a:schemeClr val="accent1"/>
+          </a:lnRef>
+          <a:fillRef idx="0">
+            <a:schemeClr val="accent1"/>
+          </a:fillRef>
+          <a:effectRef idx="0">
+            <a:schemeClr val="accent1"/>
+          </a:effectRef>
+          <a:fontRef idx="minor">
+            <a:schemeClr val="tx1"/>
+          </a:fontRef>
+        </p:style>
+      </p:cxnSp>
+      <p:sp>
+        <p:nvSpPr>
+          <p:cNvPr id="41" name="文本框 40">
+            <a:extLst>
+              <a:ext uri="{FF2B5EF4-FFF2-40B4-BE49-F238E27FC236}">
+                <a16:creationId xmlns:a16="http://schemas.microsoft.com/office/drawing/2014/main" id="{006B30A2-F74C-43CE-25F7-BBD0AF1645F5}"/>
+              </a:ext>
+            </a:extLst>
+          </p:cNvPr>
+          <p:cNvSpPr txBox="1"/>
+          <p:nvPr/>
+        </p:nvSpPr>
+        <p:spPr>
+          <a:xfrm>
+            <a:off x="6046371" y="2999504"/>
+            <a:ext cx="234950" cy="276999"/>
+          </a:xfrm>
+          <a:prstGeom prst="rect">
+            <a:avLst/>
+          </a:prstGeom>
+          <a:noFill/>
+        </p:spPr>
+        <p:txBody>
+          <a:bodyPr wrap="square" rtlCol="0" anchor="ctr">
+            <a:spAutoFit/>
+          </a:bodyPr>
+          <a:lstStyle/>
+          <a:p>
+            <a:r>
+              <a:rPr lang="en-US" altLang="zh-CN" sz="1200" dirty="0">
+                <a:latin typeface="Times New Roman" panose="02020603050405020304" pitchFamily="18" charset="0"/>
+                <a:cs typeface="Times New Roman" panose="02020603050405020304" pitchFamily="18" charset="0"/>
+              </a:rPr>
+              <a:t>1</a:t>
+            </a:r>
+            <a:endParaRPr lang="zh-CN" altLang="en-US" sz="1200" dirty="0">
+              <a:latin typeface="Times New Roman" panose="02020603050405020304" pitchFamily="18" charset="0"/>
+              <a:cs typeface="Times New Roman" panose="02020603050405020304" pitchFamily="18" charset="0"/>
+            </a:endParaRPr>
+          </a:p>
+        </p:txBody>
+      </p:sp>
+      <p:sp>
+        <p:nvSpPr>
+          <p:cNvPr id="42" name="文本框 41">
+            <a:extLst>
+              <a:ext uri="{FF2B5EF4-FFF2-40B4-BE49-F238E27FC236}">
+                <a16:creationId xmlns:a16="http://schemas.microsoft.com/office/drawing/2014/main" id="{DD413DD2-8714-152A-6ED2-B7A09BDE567C}"/>
+              </a:ext>
+            </a:extLst>
+          </p:cNvPr>
+          <p:cNvSpPr txBox="1"/>
+          <p:nvPr/>
+        </p:nvSpPr>
+        <p:spPr>
+          <a:xfrm>
+            <a:off x="6046371" y="1926806"/>
+            <a:ext cx="234950" cy="276999"/>
+          </a:xfrm>
+          <a:prstGeom prst="rect">
+            <a:avLst/>
+          </a:prstGeom>
+          <a:noFill/>
+        </p:spPr>
+        <p:txBody>
+          <a:bodyPr wrap="square" rtlCol="0" anchor="ctr">
+            <a:spAutoFit/>
+          </a:bodyPr>
+          <a:lstStyle/>
+          <a:p>
+            <a:r>
+              <a:rPr lang="en-US" altLang="zh-CN" sz="1200" dirty="0">
+                <a:latin typeface="Times New Roman" panose="02020603050405020304" pitchFamily="18" charset="0"/>
+                <a:cs typeface="Times New Roman" panose="02020603050405020304" pitchFamily="18" charset="0"/>
+              </a:rPr>
+              <a:t>2</a:t>
+            </a:r>
+            <a:endParaRPr lang="zh-CN" altLang="en-US" sz="1200" dirty="0">
+              <a:latin typeface="Times New Roman" panose="02020603050405020304" pitchFamily="18" charset="0"/>
+              <a:cs typeface="Times New Roman" panose="02020603050405020304" pitchFamily="18" charset="0"/>
+            </a:endParaRPr>
+          </a:p>
+        </p:txBody>
+      </p:sp>
+      <p:sp>
+        <p:nvSpPr>
+          <p:cNvPr id="43" name="文本框 42">
+            <a:extLst>
+              <a:ext uri="{FF2B5EF4-FFF2-40B4-BE49-F238E27FC236}">
+                <a16:creationId xmlns:a16="http://schemas.microsoft.com/office/drawing/2014/main" id="{EA6C495D-284A-5E04-15CE-74F75A0CBC79}"/>
+              </a:ext>
+            </a:extLst>
+          </p:cNvPr>
+          <p:cNvSpPr txBox="1"/>
+          <p:nvPr/>
+        </p:nvSpPr>
+        <p:spPr>
+          <a:xfrm>
+            <a:off x="5405021" y="2392875"/>
+            <a:ext cx="1111250" cy="276999"/>
+          </a:xfrm>
+          <a:prstGeom prst="rect">
+            <a:avLst/>
+          </a:prstGeom>
+          <a:noFill/>
+        </p:spPr>
+        <p:txBody>
+          <a:bodyPr wrap="square" rtlCol="0">
+            <a:spAutoFit/>
+          </a:bodyPr>
+          <a:lstStyle/>
+          <a:p>
+            <a:r>
+              <a:rPr lang="en-US" altLang="zh-CN" sz="1200" dirty="0">
+                <a:solidFill>
+                  <a:srgbClr val="FF0000"/>
+                </a:solidFill>
+                <a:latin typeface="Times New Roman" panose="02020603050405020304" pitchFamily="18" charset="0"/>
+                <a:cs typeface="Times New Roman" panose="02020603050405020304" pitchFamily="18" charset="0"/>
+              </a:rPr>
+              <a:t>Inconsistent!</a:t>
+            </a:r>
+            <a:endParaRPr lang="zh-CN" altLang="en-US" sz="1200" dirty="0">
+              <a:solidFill>
+                <a:srgbClr val="FF0000"/>
+              </a:solidFill>
+              <a:latin typeface="Times New Roman" panose="02020603050405020304" pitchFamily="18" charset="0"/>
+              <a:cs typeface="Times New Roman" panose="02020603050405020304" pitchFamily="18" charset="0"/>
+            </a:endParaRPr>
+          </a:p>
+        </p:txBody>
+      </p:sp>
+    </p:spTree>
+    <p:extLst>
+      <p:ext uri="{BB962C8B-B14F-4D97-AF65-F5344CB8AC3E}">
+        <p14:creationId xmlns:p14="http://schemas.microsoft.com/office/powerpoint/2010/main" val="1567747820"/>
+      </p:ext>
+    </p:extLst>
+  </p:cSld>
+  <p:clrMapOvr>
+    <a:masterClrMapping/>
+  </p:clrMapOvr>
+</p:sld>
+</file>
+
 <file path=ppt/theme/theme1.xml><?xml version="1.0" encoding="utf-8"?>
 <a:theme xmlns:a="http://schemas.openxmlformats.org/drawingml/2006/main" name="Office 主题​​">
   <a:themeElements>
